--- a/[Projects and Testing] Data Science & Machine Learning/(Deep_Learning) Deep_Learning_Based_Semantic_Segmentation_to_Enhance_Local_Surrogate_Models/Image/arch.pptx
+++ b/[Projects and Testing] Data Science & Machine Learning/(Deep_Learning) Deep_Learning_Based_Semantic_Segmentation_to_Enhance_Local_Surrogate_Models/Image/arch.pptx
@@ -7,7 +7,8 @@
   <p:sldIdLst>
     <p:sldId id="258" r:id="rId2"/>
     <p:sldId id="256" r:id="rId3"/>
-    <p:sldId id="257" r:id="rId4"/>
+    <p:sldId id="259" r:id="rId4"/>
+    <p:sldId id="257" r:id="rId5"/>
   </p:sldIdLst>
   <p:sldSz cx="12192000" cy="10972800"/>
   <p:notesSz cx="6858000" cy="9144000"/>
@@ -106,6 +107,11 @@
       </a:defRPr>
     </a:lvl9pPr>
   </p:defaultTextStyle>
+  <p:extLst>
+    <p:ext uri="{EFAFB233-063F-42B5-8137-9DF3F51BA10A}">
+      <p15:sldGuideLst xmlns:p15="http://schemas.microsoft.com/office/powerpoint/2012/main"/>
+    </p:ext>
+  </p:extLst>
 </p:presentation>
 </file>
 
@@ -240,7 +246,7 @@
           <a:p>
             <a:fld id="{F2E12F5E-D0DB-453D-8A44-8A487E2574B6}" type="datetimeFigureOut">
               <a:rPr lang="en-US" smtClean="0"/>
-              <a:t>10/23/2019</a:t>
+              <a:t>10/26/2019</a:t>
             </a:fld>
             <a:endParaRPr lang="en-US"/>
           </a:p>
@@ -410,7 +416,7 @@
           <a:p>
             <a:fld id="{F2E12F5E-D0DB-453D-8A44-8A487E2574B6}" type="datetimeFigureOut">
               <a:rPr lang="en-US" smtClean="0"/>
-              <a:t>10/23/2019</a:t>
+              <a:t>10/26/2019</a:t>
             </a:fld>
             <a:endParaRPr lang="en-US"/>
           </a:p>
@@ -590,7 +596,7 @@
           <a:p>
             <a:fld id="{F2E12F5E-D0DB-453D-8A44-8A487E2574B6}" type="datetimeFigureOut">
               <a:rPr lang="en-US" smtClean="0"/>
-              <a:t>10/23/2019</a:t>
+              <a:t>10/26/2019</a:t>
             </a:fld>
             <a:endParaRPr lang="en-US"/>
           </a:p>
@@ -760,7 +766,7 @@
           <a:p>
             <a:fld id="{F2E12F5E-D0DB-453D-8A44-8A487E2574B6}" type="datetimeFigureOut">
               <a:rPr lang="en-US" smtClean="0"/>
-              <a:t>10/23/2019</a:t>
+              <a:t>10/26/2019</a:t>
             </a:fld>
             <a:endParaRPr lang="en-US"/>
           </a:p>
@@ -1004,7 +1010,7 @@
           <a:p>
             <a:fld id="{F2E12F5E-D0DB-453D-8A44-8A487E2574B6}" type="datetimeFigureOut">
               <a:rPr lang="en-US" smtClean="0"/>
-              <a:t>10/23/2019</a:t>
+              <a:t>10/26/2019</a:t>
             </a:fld>
             <a:endParaRPr lang="en-US"/>
           </a:p>
@@ -1236,7 +1242,7 @@
           <a:p>
             <a:fld id="{F2E12F5E-D0DB-453D-8A44-8A487E2574B6}" type="datetimeFigureOut">
               <a:rPr lang="en-US" smtClean="0"/>
-              <a:t>10/23/2019</a:t>
+              <a:t>10/26/2019</a:t>
             </a:fld>
             <a:endParaRPr lang="en-US"/>
           </a:p>
@@ -1603,7 +1609,7 @@
           <a:p>
             <a:fld id="{F2E12F5E-D0DB-453D-8A44-8A487E2574B6}" type="datetimeFigureOut">
               <a:rPr lang="en-US" smtClean="0"/>
-              <a:t>10/23/2019</a:t>
+              <a:t>10/26/2019</a:t>
             </a:fld>
             <a:endParaRPr lang="en-US"/>
           </a:p>
@@ -1721,7 +1727,7 @@
           <a:p>
             <a:fld id="{F2E12F5E-D0DB-453D-8A44-8A487E2574B6}" type="datetimeFigureOut">
               <a:rPr lang="en-US" smtClean="0"/>
-              <a:t>10/23/2019</a:t>
+              <a:t>10/26/2019</a:t>
             </a:fld>
             <a:endParaRPr lang="en-US"/>
           </a:p>
@@ -1816,7 +1822,7 @@
           <a:p>
             <a:fld id="{F2E12F5E-D0DB-453D-8A44-8A487E2574B6}" type="datetimeFigureOut">
               <a:rPr lang="en-US" smtClean="0"/>
-              <a:t>10/23/2019</a:t>
+              <a:t>10/26/2019</a:t>
             </a:fld>
             <a:endParaRPr lang="en-US"/>
           </a:p>
@@ -2093,7 +2099,7 @@
           <a:p>
             <a:fld id="{F2E12F5E-D0DB-453D-8A44-8A487E2574B6}" type="datetimeFigureOut">
               <a:rPr lang="en-US" smtClean="0"/>
-              <a:t>10/23/2019</a:t>
+              <a:t>10/26/2019</a:t>
             </a:fld>
             <a:endParaRPr lang="en-US"/>
           </a:p>
@@ -2350,7 +2356,7 @@
           <a:p>
             <a:fld id="{F2E12F5E-D0DB-453D-8A44-8A487E2574B6}" type="datetimeFigureOut">
               <a:rPr lang="en-US" smtClean="0"/>
-              <a:t>10/23/2019</a:t>
+              <a:t>10/26/2019</a:t>
             </a:fld>
             <a:endParaRPr lang="en-US"/>
           </a:p>
@@ -2563,7 +2569,7 @@
           <a:p>
             <a:fld id="{F2E12F5E-D0DB-453D-8A44-8A487E2574B6}" type="datetimeFigureOut">
               <a:rPr lang="en-US" smtClean="0"/>
-              <a:t>10/23/2019</a:t>
+              <a:t>10/26/2019</a:t>
             </a:fld>
             <a:endParaRPr lang="en-US"/>
           </a:p>
@@ -3347,11 +3353,6 @@
               </a:rPr>
               <a:t>*Histogram</a:t>
             </a:r>
-            <a:endParaRPr lang="en-US" sz="1440" dirty="0">
-              <a:solidFill>
-                <a:schemeClr val="tx1"/>
-              </a:solidFill>
-            </a:endParaRPr>
           </a:p>
         </p:txBody>
       </p:sp>
@@ -4673,11 +4674,6 @@
               </a:rPr>
               <a:t>( Simple Linear Iterative Clustering)</a:t>
             </a:r>
-            <a:endParaRPr lang="en-US" sz="1440" dirty="0">
-              <a:solidFill>
-                <a:schemeClr val="tx1"/>
-              </a:solidFill>
-            </a:endParaRPr>
           </a:p>
         </p:txBody>
       </p:sp>
@@ -4763,11 +4759,6 @@
               </a:rPr>
               <a:t>Felzenszwalb</a:t>
             </a:r>
-            <a:endParaRPr lang="en-US" sz="1440" dirty="0">
-              <a:solidFill>
-                <a:schemeClr val="tx1"/>
-              </a:solidFill>
-            </a:endParaRPr>
           </a:p>
         </p:txBody>
       </p:sp>
@@ -4846,13 +4837,6 @@
               </a:rPr>
               <a:t>(K-means)</a:t>
             </a:r>
-            <a:endParaRPr lang="en-US" sz="1440" dirty="0">
-              <a:solidFill>
-                <a:schemeClr val="accent1">
-                  <a:lumMod val="75000"/>
-                </a:schemeClr>
-              </a:solidFill>
-            </a:endParaRPr>
           </a:p>
         </p:txBody>
       </p:sp>
@@ -4887,13 +4871,6 @@
               </a:rPr>
               <a:t>(minimum-spanning tree clustering)</a:t>
             </a:r>
-            <a:endParaRPr lang="en-US" sz="1440" dirty="0">
-              <a:solidFill>
-                <a:schemeClr val="accent1">
-                  <a:lumMod val="75000"/>
-                </a:schemeClr>
-              </a:solidFill>
-            </a:endParaRPr>
           </a:p>
         </p:txBody>
       </p:sp>
@@ -4979,11 +4956,6 @@
               </a:rPr>
               <a:t>* Re-color</a:t>
             </a:r>
-            <a:endParaRPr lang="en-US" sz="1440" dirty="0">
-              <a:solidFill>
-                <a:schemeClr val="tx1"/>
-              </a:solidFill>
-            </a:endParaRPr>
           </a:p>
         </p:txBody>
       </p:sp>
@@ -5206,7 +5178,7 @@
         </p:nvSpPr>
         <p:spPr>
           <a:xfrm>
-            <a:off x="1521350" y="2870421"/>
+            <a:off x="288898" y="176917"/>
             <a:ext cx="5110038" cy="313932"/>
           </a:xfrm>
           <a:prstGeom prst="rect">
@@ -5241,7 +5213,7 @@
         </p:nvSpPr>
         <p:spPr>
           <a:xfrm>
-            <a:off x="1637970" y="3287751"/>
+            <a:off x="405518" y="594247"/>
             <a:ext cx="8020215" cy="978729"/>
           </a:xfrm>
           <a:prstGeom prst="rect">
@@ -5301,7 +5273,7 @@
         </p:blipFill>
         <p:spPr bwMode="auto">
           <a:xfrm>
-            <a:off x="2018969" y="4561895"/>
+            <a:off x="786517" y="1868391"/>
             <a:ext cx="4114800" cy="2125981"/>
           </a:xfrm>
           <a:prstGeom prst="rect">
@@ -5327,7 +5299,7 @@
         </p:nvSpPr>
         <p:spPr>
           <a:xfrm>
-            <a:off x="6679095" y="4100887"/>
+            <a:off x="5446643" y="1407383"/>
             <a:ext cx="3583387" cy="1200329"/>
           </a:xfrm>
           <a:prstGeom prst="rect">
@@ -5372,7 +5344,7 @@
         </p:nvSpPr>
         <p:spPr>
           <a:xfrm>
-            <a:off x="6679096" y="5377732"/>
+            <a:off x="5446644" y="2684228"/>
             <a:ext cx="2979089" cy="757130"/>
           </a:xfrm>
           <a:prstGeom prst="rect">
@@ -5439,6 +5411,351 @@
           </a:p>
         </p:txBody>
       </p:sp>
+      <p:sp>
+        <p:nvSpPr>
+          <p:cNvPr id="8" name="Rectangle 7"/>
+          <p:cNvSpPr/>
+          <p:nvPr/>
+        </p:nvSpPr>
+        <p:spPr>
+          <a:xfrm>
+            <a:off x="261639" y="4704955"/>
+            <a:ext cx="3903633" cy="313932"/>
+          </a:xfrm>
+          <a:prstGeom prst="rect">
+            <a:avLst/>
+          </a:prstGeom>
+        </p:spPr>
+        <p:txBody>
+          <a:bodyPr wrap="none">
+            <a:spAutoFit/>
+          </a:bodyPr>
+          <a:lstStyle/>
+          <a:p>
+            <a:r>
+              <a:rPr lang="en-US" sz="1440" b="1" dirty="0">
+                <a:solidFill>
+                  <a:srgbClr val="161B3D"/>
+                </a:solidFill>
+                <a:latin typeface="Noto Sans"/>
+              </a:rPr>
+              <a:t> Weakly Supervised Semantic Segmentation</a:t>
+            </a:r>
+          </a:p>
+        </p:txBody>
+      </p:sp>
+      <p:sp>
+        <p:nvSpPr>
+          <p:cNvPr id="9" name="Rectangle 8"/>
+          <p:cNvSpPr/>
+          <p:nvPr/>
+        </p:nvSpPr>
+        <p:spPr>
+          <a:xfrm>
+            <a:off x="575144" y="5618144"/>
+            <a:ext cx="4876800" cy="757130"/>
+          </a:xfrm>
+          <a:prstGeom prst="rect">
+            <a:avLst/>
+          </a:prstGeom>
+        </p:spPr>
+        <p:txBody>
+          <a:bodyPr>
+            <a:spAutoFit/>
+          </a:bodyPr>
+          <a:lstStyle/>
+          <a:p>
+            <a:r>
+              <a:rPr lang="en-US" sz="1440" dirty="0">
+                <a:solidFill>
+                  <a:srgbClr val="161B3D"/>
+                </a:solidFill>
+                <a:latin typeface="Noto Sans"/>
+              </a:rPr>
+              <a:t>Problem:</a:t>
+            </a:r>
+          </a:p>
+          <a:p>
+            <a:r>
+              <a:rPr lang="en-US" sz="1440" dirty="0">
+                <a:solidFill>
+                  <a:srgbClr val="161B3D"/>
+                </a:solidFill>
+                <a:latin typeface="Noto Sans"/>
+              </a:rPr>
+              <a:t>manually annotating these masks is quite time-consuming, frustrating and commercially expensive</a:t>
+            </a:r>
+            <a:endParaRPr lang="en-US" sz="1440" dirty="0"/>
+          </a:p>
+        </p:txBody>
+      </p:sp>
+      <p:sp>
+        <p:nvSpPr>
+          <p:cNvPr id="10" name="Rectangle 9"/>
+          <p:cNvSpPr/>
+          <p:nvPr/>
+        </p:nvSpPr>
+        <p:spPr>
+          <a:xfrm>
+            <a:off x="522136" y="6407973"/>
+            <a:ext cx="4876800" cy="757130"/>
+          </a:xfrm>
+          <a:prstGeom prst="rect">
+            <a:avLst/>
+          </a:prstGeom>
+        </p:spPr>
+        <p:txBody>
+          <a:bodyPr>
+            <a:spAutoFit/>
+          </a:bodyPr>
+          <a:lstStyle/>
+          <a:p>
+            <a:r>
+              <a:rPr lang="en-US" sz="1440" dirty="0">
+                <a:solidFill>
+                  <a:srgbClr val="161B3D"/>
+                </a:solidFill>
+                <a:latin typeface="Noto Sans"/>
+              </a:rPr>
+              <a:t>How:</a:t>
+            </a:r>
+          </a:p>
+          <a:p>
+            <a:r>
+              <a:rPr lang="en-US" sz="1440" dirty="0">
+                <a:solidFill>
+                  <a:srgbClr val="161B3D"/>
+                </a:solidFill>
+                <a:latin typeface="Noto Sans"/>
+              </a:rPr>
+              <a:t>fulfilling the semantic segmentation by utilizing </a:t>
+            </a:r>
+            <a:r>
+              <a:rPr lang="en-US" sz="1440" dirty="0">
+                <a:solidFill>
+                  <a:srgbClr val="161B3D"/>
+                </a:solidFill>
+                <a:latin typeface="Noto Sans"/>
+                <a:hlinkClick r:id="rId7"/>
+              </a:rPr>
+              <a:t>annotated bounding boxes</a:t>
+            </a:r>
+            <a:r>
+              <a:rPr lang="en-US" sz="1440" dirty="0">
+                <a:solidFill>
+                  <a:srgbClr val="161B3D"/>
+                </a:solidFill>
+                <a:latin typeface="Noto Sans"/>
+              </a:rPr>
+              <a:t>.</a:t>
+            </a:r>
+            <a:endParaRPr lang="en-US" sz="1440" dirty="0"/>
+          </a:p>
+        </p:txBody>
+      </p:sp>
+      <p:sp>
+        <p:nvSpPr>
+          <p:cNvPr id="11" name="Rectangle 10"/>
+          <p:cNvSpPr/>
+          <p:nvPr/>
+        </p:nvSpPr>
+        <p:spPr>
+          <a:xfrm>
+            <a:off x="372937" y="7839235"/>
+            <a:ext cx="1579278" cy="313932"/>
+          </a:xfrm>
+          <a:prstGeom prst="rect">
+            <a:avLst/>
+          </a:prstGeom>
+          <a:solidFill>
+            <a:schemeClr val="tx2">
+              <a:lumMod val="40000"/>
+              <a:lumOff val="60000"/>
+            </a:schemeClr>
+          </a:solidFill>
+        </p:spPr>
+        <p:txBody>
+          <a:bodyPr wrap="none">
+            <a:spAutoFit/>
+          </a:bodyPr>
+          <a:lstStyle/>
+          <a:p>
+            <a:r>
+              <a:rPr lang="en-US" sz="1440" dirty="0">
+                <a:solidFill>
+                  <a:srgbClr val="161B3D"/>
+                </a:solidFill>
+                <a:latin typeface="Noto Sans"/>
+              </a:rPr>
+              <a:t> </a:t>
+            </a:r>
+            <a:r>
+              <a:rPr lang="en-US" sz="1440" dirty="0">
+                <a:solidFill>
+                  <a:srgbClr val="161B3D"/>
+                </a:solidFill>
+                <a:latin typeface="Noto Sans"/>
+                <a:hlinkClick r:id="rId8" tooltip="Opens in a new window"/>
+              </a:rPr>
+              <a:t>Simple Does It</a:t>
+            </a:r>
+            <a:endParaRPr lang="en-US" sz="1440" dirty="0"/>
+          </a:p>
+        </p:txBody>
+      </p:sp>
+      <p:sp>
+        <p:nvSpPr>
+          <p:cNvPr id="12" name="Rectangle 11"/>
+          <p:cNvSpPr/>
+          <p:nvPr/>
+        </p:nvSpPr>
+        <p:spPr>
+          <a:xfrm>
+            <a:off x="372936" y="8364712"/>
+            <a:ext cx="2044149" cy="313932"/>
+          </a:xfrm>
+          <a:prstGeom prst="rect">
+            <a:avLst/>
+          </a:prstGeom>
+          <a:solidFill>
+            <a:schemeClr val="tx2">
+              <a:lumMod val="20000"/>
+              <a:lumOff val="80000"/>
+            </a:schemeClr>
+          </a:solidFill>
+        </p:spPr>
+        <p:txBody>
+          <a:bodyPr wrap="none">
+            <a:spAutoFit/>
+          </a:bodyPr>
+          <a:lstStyle/>
+          <a:p>
+            <a:r>
+              <a:rPr lang="en-US" sz="1440" dirty="0">
+                <a:solidFill>
+                  <a:srgbClr val="161B3D"/>
+                </a:solidFill>
+                <a:latin typeface="Noto Sans"/>
+                <a:hlinkClick r:id="rId9" tooltip="Opens in a new window"/>
+              </a:rPr>
+              <a:t>Pixel-level Labeling</a:t>
+            </a:r>
+            <a:endParaRPr lang="en-US" sz="1440" dirty="0"/>
+          </a:p>
+        </p:txBody>
+      </p:sp>
+      <p:sp>
+        <p:nvSpPr>
+          <p:cNvPr id="13" name="Rectangle 12"/>
+          <p:cNvSpPr/>
+          <p:nvPr/>
+        </p:nvSpPr>
+        <p:spPr>
+          <a:xfrm>
+            <a:off x="2488757" y="7617638"/>
+            <a:ext cx="4876800" cy="535531"/>
+          </a:xfrm>
+          <a:prstGeom prst="rect">
+            <a:avLst/>
+          </a:prstGeom>
+        </p:spPr>
+        <p:txBody>
+          <a:bodyPr>
+            <a:spAutoFit/>
+          </a:bodyPr>
+          <a:lstStyle/>
+          <a:p>
+            <a:r>
+              <a:rPr lang="en-US" sz="1440" dirty="0">
+                <a:solidFill>
+                  <a:srgbClr val="161B3D"/>
+                </a:solidFill>
+                <a:latin typeface="Noto Sans"/>
+              </a:rPr>
+              <a:t>explored recursive training as a de-noising strategy</a:t>
+            </a:r>
+            <a:endParaRPr lang="en-US" sz="1440" dirty="0"/>
+          </a:p>
+        </p:txBody>
+      </p:sp>
+      <p:sp>
+        <p:nvSpPr>
+          <p:cNvPr id="14" name="Rectangle 13"/>
+          <p:cNvSpPr/>
+          <p:nvPr/>
+        </p:nvSpPr>
+        <p:spPr>
+          <a:xfrm>
+            <a:off x="2531164" y="8306578"/>
+            <a:ext cx="3874936" cy="1421928"/>
+          </a:xfrm>
+          <a:prstGeom prst="rect">
+            <a:avLst/>
+          </a:prstGeom>
+        </p:spPr>
+        <p:txBody>
+          <a:bodyPr wrap="square">
+            <a:spAutoFit/>
+          </a:bodyPr>
+          <a:lstStyle/>
+          <a:p>
+            <a:pPr marL="274320" indent="-274320">
+              <a:buAutoNum type="arabicPeriod"/>
+            </a:pPr>
+            <a:r>
+              <a:rPr lang="en-US" sz="1440" dirty="0">
+                <a:solidFill>
+                  <a:srgbClr val="161B3D"/>
+                </a:solidFill>
+                <a:latin typeface="Noto Sans"/>
+              </a:rPr>
+              <a:t>interpreted the segmentation task within the multiple-instance learning framework</a:t>
+            </a:r>
+          </a:p>
+          <a:p>
+            <a:pPr marL="274320" indent="-274320">
+              <a:buAutoNum type="arabicPeriod"/>
+            </a:pPr>
+            <a:r>
+              <a:rPr lang="en-US" sz="1440" dirty="0"/>
+              <a:t>added an extra layer to constrain the model</a:t>
+            </a:r>
+          </a:p>
+          <a:p>
+            <a:pPr marL="274320" indent="-274320">
+              <a:buAutoNum type="arabicPeriod"/>
+            </a:pPr>
+            <a:r>
+              <a:rPr lang="en-US" sz="1440" dirty="0"/>
+              <a:t> assign more weight to important pixels for image-level classification.</a:t>
+            </a:r>
+          </a:p>
+        </p:txBody>
+      </p:sp>
+      <p:pic>
+        <p:nvPicPr>
+          <p:cNvPr id="15" name="Picture 14"/>
+          <p:cNvPicPr>
+            <a:picLocks noChangeAspect="1"/>
+          </p:cNvPicPr>
+          <p:nvPr/>
+        </p:nvPicPr>
+        <p:blipFill>
+          <a:blip r:embed="rId10"/>
+          <a:stretch>
+            <a:fillRect/>
+          </a:stretch>
+        </p:blipFill>
+        <p:spPr>
+          <a:xfrm>
+            <a:off x="6569937" y="4751882"/>
+            <a:ext cx="3155462" cy="3998411"/>
+          </a:xfrm>
+          <a:prstGeom prst="rect">
+            <a:avLst/>
+          </a:prstGeom>
+        </p:spPr>
+      </p:pic>
     </p:spTree>
     <p:extLst>
       <p:ext uri="{BB962C8B-B14F-4D97-AF65-F5344CB8AC3E}">
@@ -5471,14 +5788,14 @@
       </p:grpSpPr>
       <p:sp>
         <p:nvSpPr>
-          <p:cNvPr id="5" name="Rectangle 4"/>
+          <p:cNvPr id="4" name="Rectangle 3"/>
           <p:cNvSpPr/>
           <p:nvPr/>
         </p:nvSpPr>
         <p:spPr>
           <a:xfrm>
-            <a:off x="1282057" y="2846338"/>
-            <a:ext cx="3903633" cy="313932"/>
+            <a:off x="1363103" y="89452"/>
+            <a:ext cx="2031325" cy="369332"/>
           </a:xfrm>
           <a:prstGeom prst="rect">
             <a:avLst/>
@@ -5491,14 +5808,75 @@
           <a:lstStyle/>
           <a:p>
             <a:r>
-              <a:rPr lang="en-US" sz="1440" b="1" dirty="0">
+              <a:rPr lang="en-US" dirty="0">
                 <a:solidFill>
                   <a:srgbClr val="161B3D"/>
                 </a:solidFill>
                 <a:latin typeface="Noto Sans"/>
               </a:rPr>
-              <a:t> Weakly Supervised Semantic Segmentation</a:t>
-            </a:r>
+              <a:t>FCN architecture</a:t>
+            </a:r>
+            <a:endParaRPr lang="en-US" dirty="0"/>
+          </a:p>
+        </p:txBody>
+      </p:sp>
+      <p:sp>
+        <p:nvSpPr>
+          <p:cNvPr id="5" name="Rectangle 4"/>
+          <p:cNvSpPr/>
+          <p:nvPr/>
+        </p:nvSpPr>
+        <p:spPr>
+          <a:xfrm>
+            <a:off x="1932010" y="1260540"/>
+            <a:ext cx="1510749" cy="564370"/>
+          </a:xfrm>
+          <a:prstGeom prst="rect">
+            <a:avLst/>
+          </a:prstGeom>
+          <a:solidFill>
+            <a:schemeClr val="bg1"/>
+          </a:solidFill>
+          <a:ln>
+            <a:solidFill>
+              <a:schemeClr val="tx1"/>
+            </a:solidFill>
+          </a:ln>
+        </p:spPr>
+        <p:style>
+          <a:lnRef idx="2">
+            <a:schemeClr val="accent1">
+              <a:shade val="50000"/>
+            </a:schemeClr>
+          </a:lnRef>
+          <a:fillRef idx="1">
+            <a:schemeClr val="accent1"/>
+          </a:fillRef>
+          <a:effectRef idx="0">
+            <a:schemeClr val="accent1"/>
+          </a:effectRef>
+          <a:fontRef idx="minor">
+            <a:schemeClr val="lt1"/>
+          </a:fontRef>
+        </p:style>
+        <p:txBody>
+          <a:bodyPr rtlCol="0" anchor="ctr"/>
+          <a:lstStyle/>
+          <a:p>
+            <a:pPr algn="ctr"/>
+            <a:r>
+              <a:rPr lang="en-US" dirty="0">
+                <a:solidFill>
+                  <a:schemeClr val="tx1"/>
+                </a:solidFill>
+              </a:rPr>
+              <a:t> VGG16</a:t>
+            </a:r>
+            <a:endParaRPr lang="en-US" b="1" dirty="0">
+              <a:solidFill>
+                <a:schemeClr val="tx1"/>
+              </a:solidFill>
+            </a:endParaRPr>
           </a:p>
         </p:txBody>
       </p:sp>
@@ -5510,8 +5888,629 @@
         </p:nvSpPr>
         <p:spPr>
           <a:xfrm>
-            <a:off x="1595562" y="3759527"/>
-            <a:ext cx="4876800" cy="757130"/>
+            <a:off x="4317404" y="1219559"/>
+            <a:ext cx="2621487" cy="646331"/>
+          </a:xfrm>
+          <a:prstGeom prst="rect">
+            <a:avLst/>
+          </a:prstGeom>
+        </p:spPr>
+        <p:txBody>
+          <a:bodyPr wrap="none">
+            <a:spAutoFit/>
+          </a:bodyPr>
+          <a:lstStyle/>
+          <a:p>
+            <a:pPr algn="ctr"/>
+            <a:r>
+              <a:rPr lang="en-US" dirty="0">
+                <a:solidFill>
+                  <a:srgbClr val="161B3D"/>
+                </a:solidFill>
+              </a:rPr>
+              <a:t>fully convolutional </a:t>
+            </a:r>
+            <a:r>
+              <a:rPr lang="en-US" dirty="0">
+                <a:solidFill>
+                  <a:srgbClr val="161B3D"/>
+                </a:solidFill>
+              </a:rPr>
+              <a:t>layers: </a:t>
+            </a:r>
+          </a:p>
+          <a:p>
+            <a:pPr algn="ctr"/>
+            <a:r>
+              <a:rPr lang="en-US" dirty="0">
+                <a:solidFill>
+                  <a:srgbClr val="161B3D"/>
+                </a:solidFill>
+              </a:rPr>
+              <a:t>1x1 </a:t>
+            </a:r>
+            <a:r>
+              <a:rPr lang="en-US" dirty="0">
+                <a:solidFill>
+                  <a:srgbClr val="161B3D"/>
+                </a:solidFill>
+              </a:rPr>
+              <a:t>convolution</a:t>
+            </a:r>
+          </a:p>
+        </p:txBody>
+      </p:sp>
+      <p:sp>
+        <p:nvSpPr>
+          <p:cNvPr id="8" name="Rectangle 7"/>
+          <p:cNvSpPr/>
+          <p:nvPr/>
+        </p:nvSpPr>
+        <p:spPr>
+          <a:xfrm>
+            <a:off x="1363103" y="2484782"/>
+            <a:ext cx="2648564" cy="852604"/>
+          </a:xfrm>
+          <a:prstGeom prst="rect">
+            <a:avLst/>
+          </a:prstGeom>
+          <a:solidFill>
+            <a:schemeClr val="bg1"/>
+          </a:solidFill>
+          <a:ln>
+            <a:solidFill>
+              <a:schemeClr val="tx1"/>
+            </a:solidFill>
+          </a:ln>
+        </p:spPr>
+        <p:style>
+          <a:lnRef idx="2">
+            <a:schemeClr val="accent1">
+              <a:shade val="50000"/>
+            </a:schemeClr>
+          </a:lnRef>
+          <a:fillRef idx="1">
+            <a:schemeClr val="accent1"/>
+          </a:fillRef>
+          <a:effectRef idx="0">
+            <a:schemeClr val="accent1"/>
+          </a:effectRef>
+          <a:fontRef idx="minor">
+            <a:schemeClr val="lt1"/>
+          </a:fontRef>
+        </p:style>
+        <p:txBody>
+          <a:bodyPr rtlCol="0" anchor="ctr"/>
+          <a:lstStyle/>
+          <a:p>
+            <a:pPr algn="ctr"/>
+            <a:r>
+              <a:rPr lang="en-US" dirty="0">
+                <a:solidFill>
+                  <a:schemeClr val="tx1"/>
+                </a:solidFill>
+              </a:rPr>
+              <a:t>A class </a:t>
+            </a:r>
+            <a:endParaRPr lang="en-US" dirty="0" smtClean="0">
+              <a:solidFill>
+                <a:schemeClr val="tx1"/>
+              </a:solidFill>
+            </a:endParaRPr>
+          </a:p>
+          <a:p>
+            <a:pPr algn="ctr"/>
+            <a:r>
+              <a:rPr lang="en-US" dirty="0" smtClean="0">
+                <a:solidFill>
+                  <a:schemeClr val="tx1"/>
+                </a:solidFill>
+              </a:rPr>
+              <a:t>presence </a:t>
+            </a:r>
+            <a:r>
+              <a:rPr lang="en-US" dirty="0">
+                <a:solidFill>
+                  <a:schemeClr val="tx1"/>
+                </a:solidFill>
+              </a:rPr>
+              <a:t>heat map</a:t>
+            </a:r>
+          </a:p>
+          <a:p>
+            <a:pPr algn="ctr"/>
+            <a:r>
+              <a:rPr lang="en-US" dirty="0">
+                <a:solidFill>
+                  <a:schemeClr val="tx1"/>
+                </a:solidFill>
+              </a:rPr>
+              <a:t>(low </a:t>
+            </a:r>
+            <a:r>
+              <a:rPr lang="en-US" dirty="0">
+                <a:solidFill>
+                  <a:schemeClr val="tx1"/>
+                </a:solidFill>
+              </a:rPr>
+              <a:t>resolution</a:t>
+            </a:r>
+            <a:r>
+              <a:rPr lang="en-US" dirty="0">
+                <a:solidFill>
+                  <a:schemeClr val="tx1"/>
+                </a:solidFill>
+              </a:rPr>
+              <a:t>)</a:t>
+            </a:r>
+          </a:p>
+        </p:txBody>
+      </p:sp>
+      <p:sp>
+        <p:nvSpPr>
+          <p:cNvPr id="9" name="Rectangle 8"/>
+          <p:cNvSpPr/>
+          <p:nvPr/>
+        </p:nvSpPr>
+        <p:spPr>
+          <a:xfrm>
+            <a:off x="1873311" y="4092761"/>
+            <a:ext cx="1635202" cy="300335"/>
+          </a:xfrm>
+          <a:prstGeom prst="rect">
+            <a:avLst/>
+          </a:prstGeom>
+          <a:solidFill>
+            <a:schemeClr val="bg1"/>
+          </a:solidFill>
+          <a:ln>
+            <a:solidFill>
+              <a:schemeClr val="tx1"/>
+            </a:solidFill>
+          </a:ln>
+        </p:spPr>
+        <p:style>
+          <a:lnRef idx="2">
+            <a:schemeClr val="accent1">
+              <a:shade val="50000"/>
+            </a:schemeClr>
+          </a:lnRef>
+          <a:fillRef idx="1">
+            <a:schemeClr val="accent1"/>
+          </a:fillRef>
+          <a:effectRef idx="0">
+            <a:schemeClr val="accent1"/>
+          </a:effectRef>
+          <a:fontRef idx="minor">
+            <a:schemeClr val="lt1"/>
+          </a:fontRef>
+        </p:style>
+        <p:txBody>
+          <a:bodyPr rtlCol="0" anchor="ctr"/>
+          <a:lstStyle/>
+          <a:p>
+            <a:pPr algn="ctr"/>
+            <a:r>
+              <a:rPr lang="en-US" dirty="0">
+                <a:solidFill>
+                  <a:schemeClr val="tx1"/>
+                </a:solidFill>
+              </a:rPr>
+              <a:t>upsampling </a:t>
+            </a:r>
+          </a:p>
+        </p:txBody>
+      </p:sp>
+      <p:sp>
+        <p:nvSpPr>
+          <p:cNvPr id="10" name="Rectangle 9"/>
+          <p:cNvSpPr/>
+          <p:nvPr/>
+        </p:nvSpPr>
+        <p:spPr>
+          <a:xfrm>
+            <a:off x="4011666" y="3919762"/>
+            <a:ext cx="2752292" cy="923330"/>
+          </a:xfrm>
+          <a:prstGeom prst="rect">
+            <a:avLst/>
+          </a:prstGeom>
+        </p:spPr>
+        <p:txBody>
+          <a:bodyPr wrap="none">
+            <a:spAutoFit/>
+          </a:bodyPr>
+          <a:lstStyle/>
+          <a:p>
+            <a:pPr algn="ctr"/>
+            <a:r>
+              <a:rPr lang="en-US" dirty="0"/>
+              <a:t>transposed </a:t>
+            </a:r>
+            <a:r>
+              <a:rPr lang="en-US" smtClean="0"/>
+              <a:t>convolutions:</a:t>
+            </a:r>
+          </a:p>
+          <a:p>
+            <a:pPr algn="ctr"/>
+            <a:r>
+              <a:rPr lang="en-US" smtClean="0">
+                <a:solidFill>
+                  <a:srgbClr val="161B3D"/>
+                </a:solidFill>
+              </a:rPr>
+              <a:t>initialized </a:t>
+            </a:r>
+            <a:r>
+              <a:rPr lang="en-US" dirty="0">
+                <a:solidFill>
+                  <a:srgbClr val="161B3D"/>
+                </a:solidFill>
+              </a:rPr>
+              <a:t>with </a:t>
+            </a:r>
+            <a:endParaRPr lang="en-US" dirty="0" smtClean="0">
+              <a:solidFill>
+                <a:srgbClr val="161B3D"/>
+              </a:solidFill>
+            </a:endParaRPr>
+          </a:p>
+          <a:p>
+            <a:pPr algn="ctr"/>
+            <a:r>
+              <a:rPr lang="en-US" dirty="0" smtClean="0">
+                <a:solidFill>
+                  <a:srgbClr val="161B3D"/>
+                </a:solidFill>
+              </a:rPr>
+              <a:t>bilinear </a:t>
+            </a:r>
+            <a:r>
+              <a:rPr lang="en-US" dirty="0">
+                <a:solidFill>
+                  <a:srgbClr val="161B3D"/>
+                </a:solidFill>
+              </a:rPr>
+              <a:t>interpolation filters</a:t>
+            </a:r>
+            <a:endParaRPr lang="en-US" dirty="0"/>
+          </a:p>
+        </p:txBody>
+      </p:sp>
+      <p:cxnSp>
+        <p:nvCxnSpPr>
+          <p:cNvPr id="12" name="Straight Arrow Connector 11"/>
+          <p:cNvCxnSpPr>
+            <a:stCxn id="5" idx="2"/>
+            <a:endCxn id="8" idx="0"/>
+          </p:cNvCxnSpPr>
+          <p:nvPr/>
+        </p:nvCxnSpPr>
+        <p:spPr>
+          <a:xfrm>
+            <a:off x="2687385" y="1824910"/>
+            <a:ext cx="0" cy="659872"/>
+          </a:xfrm>
+          <a:prstGeom prst="straightConnector1">
+            <a:avLst/>
+          </a:prstGeom>
+          <a:ln>
+            <a:tailEnd type="triangle"/>
+          </a:ln>
+        </p:spPr>
+        <p:style>
+          <a:lnRef idx="1">
+            <a:schemeClr val="dk1"/>
+          </a:lnRef>
+          <a:fillRef idx="0">
+            <a:schemeClr val="dk1"/>
+          </a:fillRef>
+          <a:effectRef idx="0">
+            <a:schemeClr val="dk1"/>
+          </a:effectRef>
+          <a:fontRef idx="minor">
+            <a:schemeClr val="tx1"/>
+          </a:fontRef>
+        </p:style>
+      </p:cxnSp>
+      <p:cxnSp>
+        <p:nvCxnSpPr>
+          <p:cNvPr id="14" name="Straight Arrow Connector 13"/>
+          <p:cNvCxnSpPr>
+            <a:stCxn id="8" idx="2"/>
+            <a:endCxn id="9" idx="0"/>
+          </p:cNvCxnSpPr>
+          <p:nvPr/>
+        </p:nvCxnSpPr>
+        <p:spPr>
+          <a:xfrm>
+            <a:off x="2687385" y="3337386"/>
+            <a:ext cx="3527" cy="755375"/>
+          </a:xfrm>
+          <a:prstGeom prst="straightConnector1">
+            <a:avLst/>
+          </a:prstGeom>
+          <a:ln>
+            <a:tailEnd type="triangle"/>
+          </a:ln>
+        </p:spPr>
+        <p:style>
+          <a:lnRef idx="1">
+            <a:schemeClr val="dk1"/>
+          </a:lnRef>
+          <a:fillRef idx="0">
+            <a:schemeClr val="dk1"/>
+          </a:fillRef>
+          <a:effectRef idx="0">
+            <a:schemeClr val="dk1"/>
+          </a:effectRef>
+          <a:fontRef idx="minor">
+            <a:schemeClr val="tx1"/>
+          </a:fontRef>
+        </p:style>
+      </p:cxnSp>
+      <p:cxnSp>
+        <p:nvCxnSpPr>
+          <p:cNvPr id="19" name="Elbow Connector 18"/>
+          <p:cNvCxnSpPr>
+            <a:stCxn id="9" idx="2"/>
+            <a:endCxn id="5" idx="1"/>
+          </p:cNvCxnSpPr>
+          <p:nvPr/>
+        </p:nvCxnSpPr>
+        <p:spPr>
+          <a:xfrm rot="5400000" flipH="1">
+            <a:off x="886275" y="2588460"/>
+            <a:ext cx="2850371" cy="758902"/>
+          </a:xfrm>
+          <a:prstGeom prst="bentConnector4">
+            <a:avLst>
+              <a:gd name="adj1" fmla="val -8020"/>
+              <a:gd name="adj2" fmla="val 237392"/>
+            </a:avLst>
+          </a:prstGeom>
+          <a:ln>
+            <a:tailEnd type="triangle"/>
+          </a:ln>
+        </p:spPr>
+        <p:style>
+          <a:lnRef idx="1">
+            <a:schemeClr val="accent1"/>
+          </a:lnRef>
+          <a:fillRef idx="0">
+            <a:schemeClr val="accent1"/>
+          </a:fillRef>
+          <a:effectRef idx="0">
+            <a:schemeClr val="accent1"/>
+          </a:effectRef>
+          <a:fontRef idx="minor">
+            <a:schemeClr val="tx1"/>
+          </a:fontRef>
+        </p:style>
+      </p:cxnSp>
+    </p:spTree>
+    <p:extLst>
+      <p:ext uri="{BB962C8B-B14F-4D97-AF65-F5344CB8AC3E}">
+        <p14:creationId xmlns:p14="http://schemas.microsoft.com/office/powerpoint/2010/main" val="2999564008"/>
+      </p:ext>
+    </p:extLst>
+  </p:cSld>
+  <p:clrMapOvr>
+    <a:masterClrMapping/>
+  </p:clrMapOvr>
+  <p:timing>
+    <p:tnLst>
+      <p:par>
+        <p:cTn id="1" dur="indefinite" restart="never" nodeType="tmRoot"/>
+      </p:par>
+    </p:tnLst>
+  </p:timing>
+</p:sld>
+</file>
+
+<file path=ppt/slides/slide4.xml><?xml version="1.0" encoding="utf-8"?>
+<p:sld xmlns:a="http://schemas.openxmlformats.org/drawingml/2006/main" xmlns:r="http://schemas.openxmlformats.org/officeDocument/2006/relationships" xmlns:p="http://schemas.openxmlformats.org/presentationml/2006/main">
+  <p:cSld>
+    <p:spTree>
+      <p:nvGrpSpPr>
+        <p:cNvPr id="1" name=""/>
+        <p:cNvGrpSpPr/>
+        <p:nvPr/>
+      </p:nvGrpSpPr>
+      <p:grpSpPr>
+        <a:xfrm>
+          <a:off x="0" y="0"/>
+          <a:ext cx="0" cy="0"/>
+          <a:chOff x="0" y="0"/>
+          <a:chExt cx="0" cy="0"/>
+        </a:xfrm>
+      </p:grpSpPr>
+      <p:sp>
+        <p:nvSpPr>
+          <p:cNvPr id="2" name="Rectangle 1"/>
+          <p:cNvSpPr/>
+          <p:nvPr/>
+        </p:nvSpPr>
+        <p:spPr>
+          <a:xfrm>
+            <a:off x="308114" y="69576"/>
+            <a:ext cx="1172817" cy="536712"/>
+          </a:xfrm>
+          <a:prstGeom prst="rect">
+            <a:avLst/>
+          </a:prstGeom>
+          <a:solidFill>
+            <a:schemeClr val="bg1"/>
+          </a:solidFill>
+          <a:ln>
+            <a:solidFill>
+              <a:schemeClr val="tx1"/>
+            </a:solidFill>
+          </a:ln>
+        </p:spPr>
+        <p:style>
+          <a:lnRef idx="2">
+            <a:schemeClr val="accent1">
+              <a:shade val="50000"/>
+            </a:schemeClr>
+          </a:lnRef>
+          <a:fillRef idx="1">
+            <a:schemeClr val="accent1"/>
+          </a:fillRef>
+          <a:effectRef idx="0">
+            <a:schemeClr val="accent1"/>
+          </a:effectRef>
+          <a:fontRef idx="minor">
+            <a:schemeClr val="lt1"/>
+          </a:fontRef>
+        </p:style>
+        <p:txBody>
+          <a:bodyPr rtlCol="0" anchor="ctr"/>
+          <a:lstStyle/>
+          <a:p>
+            <a:pPr algn="ctr"/>
+            <a:r>
+              <a:rPr lang="en-US" b="1" dirty="0">
+                <a:solidFill>
+                  <a:schemeClr val="tx1"/>
+                </a:solidFill>
+              </a:rPr>
+              <a:t>encoder</a:t>
+            </a:r>
+            <a:r>
+              <a:rPr lang="en-US" dirty="0">
+                <a:solidFill>
+                  <a:schemeClr val="tx1"/>
+                </a:solidFill>
+              </a:rPr>
+              <a:t> </a:t>
+            </a:r>
+            <a:endParaRPr lang="en-US" dirty="0">
+              <a:solidFill>
+                <a:schemeClr val="tx1"/>
+              </a:solidFill>
+            </a:endParaRPr>
+          </a:p>
+        </p:txBody>
+      </p:sp>
+      <p:sp>
+        <p:nvSpPr>
+          <p:cNvPr id="3" name="Rectangle 2"/>
+          <p:cNvSpPr/>
+          <p:nvPr/>
+        </p:nvSpPr>
+        <p:spPr>
+          <a:xfrm>
+            <a:off x="1765530" y="153266"/>
+            <a:ext cx="3389967" cy="646331"/>
+          </a:xfrm>
+          <a:prstGeom prst="rect">
+            <a:avLst/>
+          </a:prstGeom>
+        </p:spPr>
+        <p:txBody>
+          <a:bodyPr wrap="none">
+            <a:spAutoFit/>
+          </a:bodyPr>
+          <a:lstStyle/>
+          <a:p>
+            <a:r>
+              <a:rPr lang="en-US" dirty="0"/>
+              <a:t>pre-trained classification </a:t>
+            </a:r>
+            <a:r>
+              <a:rPr lang="en-US" dirty="0"/>
+              <a:t>network:</a:t>
+            </a:r>
+          </a:p>
+          <a:p>
+            <a:r>
+              <a:rPr lang="en-US" dirty="0" smtClean="0"/>
+              <a:t>e.g.: VGG / ResNet etc.</a:t>
+            </a:r>
+            <a:endParaRPr lang="en-US" dirty="0"/>
+          </a:p>
+        </p:txBody>
+      </p:sp>
+      <p:sp>
+        <p:nvSpPr>
+          <p:cNvPr id="13" name="Rectangle 12"/>
+          <p:cNvSpPr/>
+          <p:nvPr/>
+        </p:nvSpPr>
+        <p:spPr>
+          <a:xfrm>
+            <a:off x="308111" y="1759226"/>
+            <a:ext cx="1172817" cy="536712"/>
+          </a:xfrm>
+          <a:prstGeom prst="rect">
+            <a:avLst/>
+          </a:prstGeom>
+          <a:solidFill>
+            <a:schemeClr val="bg1"/>
+          </a:solidFill>
+          <a:ln>
+            <a:solidFill>
+              <a:schemeClr val="tx1"/>
+            </a:solidFill>
+          </a:ln>
+        </p:spPr>
+        <p:style>
+          <a:lnRef idx="2">
+            <a:schemeClr val="accent1">
+              <a:shade val="50000"/>
+            </a:schemeClr>
+          </a:lnRef>
+          <a:fillRef idx="1">
+            <a:schemeClr val="accent1"/>
+          </a:fillRef>
+          <a:effectRef idx="0">
+            <a:schemeClr val="accent1"/>
+          </a:effectRef>
+          <a:fontRef idx="minor">
+            <a:schemeClr val="lt1"/>
+          </a:fontRef>
+        </p:style>
+        <p:txBody>
+          <a:bodyPr rtlCol="0" anchor="ctr"/>
+          <a:lstStyle/>
+          <a:p>
+            <a:pPr algn="ctr"/>
+            <a:r>
+              <a:rPr lang="en-US" b="1" dirty="0" smtClean="0">
+                <a:solidFill>
+                  <a:schemeClr val="tx1"/>
+                </a:solidFill>
+              </a:rPr>
+              <a:t>decoder</a:t>
+            </a:r>
+            <a:r>
+              <a:rPr lang="en-US" dirty="0">
+                <a:solidFill>
+                  <a:schemeClr val="tx1"/>
+                </a:solidFill>
+              </a:rPr>
+              <a:t> </a:t>
+            </a:r>
+            <a:endParaRPr lang="en-US" dirty="0">
+              <a:solidFill>
+                <a:schemeClr val="tx1"/>
+              </a:solidFill>
+            </a:endParaRPr>
+          </a:p>
+        </p:txBody>
+      </p:sp>
+      <p:sp>
+        <p:nvSpPr>
+          <p:cNvPr id="4" name="Rectangle 3"/>
+          <p:cNvSpPr/>
+          <p:nvPr/>
+        </p:nvSpPr>
+        <p:spPr>
+          <a:xfrm>
+            <a:off x="1765530" y="1565917"/>
+            <a:ext cx="6096000" cy="923330"/>
           </a:xfrm>
           <a:prstGeom prst="rect">
             <a:avLst/>
@@ -5524,113 +6523,273 @@
           <a:lstStyle/>
           <a:p>
             <a:r>
-              <a:rPr lang="en-US" sz="1440" dirty="0">
+              <a:rPr lang="en-US" dirty="0" smtClean="0"/>
+              <a:t>project </a:t>
+            </a:r>
+            <a:r>
+              <a:rPr lang="en-US" dirty="0"/>
+              <a:t>the discriminative features (lower resolution) learnt by the encoder onto the pixel space (higher resolution) to get a dense classification.</a:t>
+            </a:r>
+            <a:endParaRPr lang="en-US" dirty="0"/>
+          </a:p>
+        </p:txBody>
+      </p:sp>
+      <p:sp>
+        <p:nvSpPr>
+          <p:cNvPr id="16" name="Rectangle 15"/>
+          <p:cNvSpPr/>
+          <p:nvPr/>
+        </p:nvSpPr>
+        <p:spPr>
+          <a:xfrm>
+            <a:off x="139144" y="3321830"/>
+            <a:ext cx="1510749" cy="564370"/>
+          </a:xfrm>
+          <a:prstGeom prst="rect">
+            <a:avLst/>
+          </a:prstGeom>
+          <a:solidFill>
+            <a:schemeClr val="bg1"/>
+          </a:solidFill>
+          <a:ln>
+            <a:solidFill>
+              <a:schemeClr val="tx1"/>
+            </a:solidFill>
+          </a:ln>
+        </p:spPr>
+        <p:style>
+          <a:lnRef idx="2">
+            <a:schemeClr val="accent1">
+              <a:shade val="50000"/>
+            </a:schemeClr>
+          </a:lnRef>
+          <a:fillRef idx="1">
+            <a:schemeClr val="accent1"/>
+          </a:fillRef>
+          <a:effectRef idx="0">
+            <a:schemeClr val="accent1"/>
+          </a:effectRef>
+          <a:fontRef idx="minor">
+            <a:schemeClr val="lt1"/>
+          </a:fontRef>
+        </p:style>
+        <p:txBody>
+          <a:bodyPr rtlCol="0" anchor="ctr"/>
+          <a:lstStyle/>
+          <a:p>
+            <a:pPr algn="ctr"/>
+            <a:r>
+              <a:rPr lang="en-US" b="1" dirty="0">
+                <a:solidFill>
+                  <a:schemeClr val="tx1"/>
+                </a:solidFill>
+              </a:rPr>
+              <a:t>dense </a:t>
+            </a:r>
+            <a:r>
+              <a:rPr lang="en-US" b="1" dirty="0" smtClean="0">
+                <a:solidFill>
+                  <a:schemeClr val="tx1"/>
+                </a:solidFill>
+              </a:rPr>
+              <a:t>classification</a:t>
+            </a:r>
+            <a:endParaRPr lang="en-US" b="1" dirty="0">
+              <a:solidFill>
+                <a:schemeClr val="tx1"/>
+              </a:solidFill>
+            </a:endParaRPr>
+          </a:p>
+        </p:txBody>
+      </p:sp>
+      <p:cxnSp>
+        <p:nvCxnSpPr>
+          <p:cNvPr id="18" name="Straight Arrow Connector 17"/>
+          <p:cNvCxnSpPr>
+            <a:stCxn id="2" idx="2"/>
+          </p:cNvCxnSpPr>
+          <p:nvPr/>
+        </p:nvCxnSpPr>
+        <p:spPr>
+          <a:xfrm flipH="1">
+            <a:off x="894520" y="606288"/>
+            <a:ext cx="3" cy="1152938"/>
+          </a:xfrm>
+          <a:prstGeom prst="straightConnector1">
+            <a:avLst/>
+          </a:prstGeom>
+          <a:ln>
+            <a:tailEnd type="triangle"/>
+          </a:ln>
+        </p:spPr>
+        <p:style>
+          <a:lnRef idx="1">
+            <a:schemeClr val="dk1"/>
+          </a:lnRef>
+          <a:fillRef idx="0">
+            <a:schemeClr val="dk1"/>
+          </a:fillRef>
+          <a:effectRef idx="0">
+            <a:schemeClr val="dk1"/>
+          </a:effectRef>
+          <a:fontRef idx="minor">
+            <a:schemeClr val="tx1"/>
+          </a:fontRef>
+        </p:style>
+      </p:cxnSp>
+      <p:cxnSp>
+        <p:nvCxnSpPr>
+          <p:cNvPr id="19" name="Straight Arrow Connector 18"/>
+          <p:cNvCxnSpPr>
+            <a:stCxn id="13" idx="2"/>
+            <a:endCxn id="16" idx="0"/>
+          </p:cNvCxnSpPr>
+          <p:nvPr/>
+        </p:nvCxnSpPr>
+        <p:spPr>
+          <a:xfrm flipH="1">
+            <a:off x="894519" y="2295938"/>
+            <a:ext cx="1" cy="1025892"/>
+          </a:xfrm>
+          <a:prstGeom prst="straightConnector1">
+            <a:avLst/>
+          </a:prstGeom>
+          <a:ln>
+            <a:tailEnd type="triangle"/>
+          </a:ln>
+        </p:spPr>
+        <p:style>
+          <a:lnRef idx="1">
+            <a:schemeClr val="dk1"/>
+          </a:lnRef>
+          <a:fillRef idx="0">
+            <a:schemeClr val="dk1"/>
+          </a:fillRef>
+          <a:effectRef idx="0">
+            <a:schemeClr val="dk1"/>
+          </a:effectRef>
+          <a:fontRef idx="minor">
+            <a:schemeClr val="tx1"/>
+          </a:fontRef>
+        </p:style>
+      </p:cxnSp>
+      <p:sp>
+        <p:nvSpPr>
+          <p:cNvPr id="25" name="Rectangle 24"/>
+          <p:cNvSpPr/>
+          <p:nvPr/>
+        </p:nvSpPr>
+        <p:spPr>
+          <a:xfrm>
+            <a:off x="3079164" y="3222438"/>
+            <a:ext cx="2418122" cy="763153"/>
+          </a:xfrm>
+          <a:prstGeom prst="rect">
+            <a:avLst/>
+          </a:prstGeom>
+          <a:solidFill>
+            <a:schemeClr val="bg1"/>
+          </a:solidFill>
+          <a:ln>
+            <a:solidFill>
+              <a:schemeClr val="tx1"/>
+            </a:solidFill>
+          </a:ln>
+        </p:spPr>
+        <p:style>
+          <a:lnRef idx="2">
+            <a:schemeClr val="accent1">
+              <a:shade val="50000"/>
+            </a:schemeClr>
+          </a:lnRef>
+          <a:fillRef idx="1">
+            <a:schemeClr val="accent1"/>
+          </a:fillRef>
+          <a:effectRef idx="0">
+            <a:schemeClr val="accent1"/>
+          </a:effectRef>
+          <a:fontRef idx="minor">
+            <a:schemeClr val="lt1"/>
+          </a:fontRef>
+        </p:style>
+        <p:txBody>
+          <a:bodyPr rtlCol="0" anchor="ctr"/>
+          <a:lstStyle/>
+          <a:p>
+            <a:r>
+              <a:rPr lang="en-US" b="1" dirty="0">
                 <a:solidFill>
                   <a:srgbClr val="161B3D"/>
                 </a:solidFill>
-                <a:latin typeface="Noto Sans"/>
-              </a:rPr>
-              <a:t>Problem:</a:t>
-            </a:r>
-          </a:p>
-          <a:p>
-            <a:r>
-              <a:rPr lang="en-US" sz="1440" dirty="0">
-                <a:solidFill>
-                  <a:srgbClr val="161B3D"/>
-                </a:solidFill>
-                <a:latin typeface="Noto Sans"/>
-              </a:rPr>
-              <a:t>manually annotating these masks is quite time-consuming, frustrating and commercially expensive</a:t>
-            </a:r>
-            <a:endParaRPr lang="en-US" sz="1440" dirty="0"/>
-          </a:p>
-        </p:txBody>
-      </p:sp>
-      <p:sp>
-        <p:nvSpPr>
-          <p:cNvPr id="7" name="Rectangle 6"/>
+                <a:latin typeface="+mj-lt"/>
+              </a:rPr>
+              <a:t>Region-Based Semantic Segmentation</a:t>
+            </a:r>
+            <a:endParaRPr lang="en-US" b="1" dirty="0">
+              <a:solidFill>
+                <a:srgbClr val="161B3D"/>
+              </a:solidFill>
+              <a:latin typeface="+mj-lt"/>
+            </a:endParaRPr>
+          </a:p>
+        </p:txBody>
+      </p:sp>
+      <p:sp>
+        <p:nvSpPr>
+          <p:cNvPr id="26" name="Rectangle 25"/>
           <p:cNvSpPr/>
           <p:nvPr/>
         </p:nvSpPr>
         <p:spPr>
           <a:xfrm>
-            <a:off x="1542554" y="4549356"/>
-            <a:ext cx="4876800" cy="757130"/>
+            <a:off x="5741283" y="3280849"/>
+            <a:ext cx="2370547" cy="646331"/>
           </a:xfrm>
           <a:prstGeom prst="rect">
             <a:avLst/>
           </a:prstGeom>
         </p:spPr>
         <p:txBody>
-          <a:bodyPr>
+          <a:bodyPr wrap="square">
             <a:spAutoFit/>
           </a:bodyPr>
           <a:lstStyle/>
           <a:p>
             <a:r>
-              <a:rPr lang="en-US" sz="1440" dirty="0">
+              <a:rPr lang="en-US" dirty="0">
                 <a:solidFill>
                   <a:srgbClr val="161B3D"/>
                 </a:solidFill>
-                <a:latin typeface="Noto Sans"/>
-              </a:rPr>
-              <a:t>How:</a:t>
-            </a:r>
-          </a:p>
-          <a:p>
-            <a:r>
-              <a:rPr lang="en-US" sz="1440" dirty="0">
-                <a:solidFill>
-                  <a:srgbClr val="161B3D"/>
-                </a:solidFill>
-                <a:latin typeface="Noto Sans"/>
-              </a:rPr>
-              <a:t>fulfilling the semantic segmentation by utilizing </a:t>
-            </a:r>
-            <a:r>
-              <a:rPr lang="en-US" sz="1440" dirty="0">
-                <a:solidFill>
-                  <a:srgbClr val="161B3D"/>
-                </a:solidFill>
-                <a:latin typeface="Noto Sans"/>
-                <a:hlinkClick r:id="rId2"/>
-              </a:rPr>
-              <a:t>annotated bounding boxes</a:t>
-            </a:r>
-            <a:r>
-              <a:rPr lang="en-US" sz="1440" dirty="0">
-                <a:solidFill>
-                  <a:srgbClr val="161B3D"/>
-                </a:solidFill>
-                <a:latin typeface="Noto Sans"/>
-              </a:rPr>
-              <a:t>.</a:t>
-            </a:r>
-            <a:endParaRPr lang="en-US" sz="1440" dirty="0"/>
-          </a:p>
-        </p:txBody>
-      </p:sp>
-      <p:sp>
-        <p:nvSpPr>
-          <p:cNvPr id="8" name="Rectangle 7"/>
+                <a:latin typeface="+mj-lt"/>
+              </a:rPr>
+              <a:t>extract a large quantity of </a:t>
+            </a:r>
+            <a:r>
+              <a:rPr lang="en-US" dirty="0">
+                <a:solidFill>
+                  <a:srgbClr val="FF0000"/>
+                </a:solidFill>
+                <a:latin typeface="+mj-lt"/>
+              </a:rPr>
+              <a:t>object proposals</a:t>
+            </a:r>
+          </a:p>
+        </p:txBody>
+      </p:sp>
+      <p:sp>
+        <p:nvSpPr>
+          <p:cNvPr id="27" name="Rectangle 26"/>
           <p:cNvSpPr/>
           <p:nvPr/>
         </p:nvSpPr>
         <p:spPr>
           <a:xfrm>
-            <a:off x="1393355" y="5980618"/>
-            <a:ext cx="1579278" cy="313932"/>
+            <a:off x="5728677" y="4436596"/>
+            <a:ext cx="2383153" cy="646331"/>
           </a:xfrm>
           <a:prstGeom prst="rect">
             <a:avLst/>
           </a:prstGeom>
-          <a:solidFill>
-            <a:schemeClr val="tx2">
-              <a:lumMod val="40000"/>
-              <a:lumOff val="60000"/>
-            </a:schemeClr>
-          </a:solidFill>
         </p:spPr>
         <p:txBody>
           <a:bodyPr wrap="none">
@@ -5639,48 +6798,451 @@
           <a:lstStyle/>
           <a:p>
             <a:r>
-              <a:rPr lang="en-US" sz="1440" dirty="0">
+              <a:rPr lang="en-US" dirty="0">
                 <a:solidFill>
                   <a:srgbClr val="161B3D"/>
                 </a:solidFill>
-                <a:latin typeface="Noto Sans"/>
+                <a:latin typeface="+mj-lt"/>
+              </a:rPr>
+              <a:t>computes </a:t>
+            </a:r>
+            <a:r>
+              <a:rPr lang="en-US" dirty="0">
+                <a:solidFill>
+                  <a:srgbClr val="FF0000"/>
+                </a:solidFill>
+                <a:latin typeface="+mj-lt"/>
+              </a:rPr>
+              <a:t>CNN </a:t>
+            </a:r>
+            <a:r>
+              <a:rPr lang="en-US" dirty="0" smtClean="0">
+                <a:solidFill>
+                  <a:srgbClr val="FF0000"/>
+                </a:solidFill>
+                <a:latin typeface="+mj-lt"/>
+              </a:rPr>
+              <a:t>features</a:t>
+            </a:r>
+          </a:p>
+          <a:p>
+            <a:r>
+              <a:rPr lang="en-US" dirty="0" smtClean="0">
+                <a:solidFill>
+                  <a:srgbClr val="161B3D"/>
+                </a:solidFill>
+                <a:latin typeface="+mj-lt"/>
+              </a:rPr>
+              <a:t> </a:t>
+            </a:r>
+            <a:r>
+              <a:rPr lang="en-US" dirty="0">
+                <a:solidFill>
+                  <a:srgbClr val="161B3D"/>
+                </a:solidFill>
+                <a:latin typeface="+mj-lt"/>
+              </a:rPr>
+              <a:t>for each of them</a:t>
+            </a:r>
+          </a:p>
+        </p:txBody>
+      </p:sp>
+      <p:sp>
+        <p:nvSpPr>
+          <p:cNvPr id="28" name="Rectangle 27"/>
+          <p:cNvSpPr/>
+          <p:nvPr/>
+        </p:nvSpPr>
+        <p:spPr>
+          <a:xfrm>
+            <a:off x="5437666" y="5592343"/>
+            <a:ext cx="2965173" cy="646331"/>
+          </a:xfrm>
+          <a:prstGeom prst="rect">
+            <a:avLst/>
+          </a:prstGeom>
+        </p:spPr>
+        <p:txBody>
+          <a:bodyPr wrap="square">
+            <a:spAutoFit/>
+          </a:bodyPr>
+          <a:lstStyle/>
+          <a:p>
+            <a:r>
+              <a:rPr lang="en-US" dirty="0">
+                <a:solidFill>
+                  <a:srgbClr val="161B3D"/>
+                </a:solidFill>
+                <a:latin typeface="+mj-lt"/>
+              </a:rPr>
+              <a:t>classifies each region using </a:t>
+            </a:r>
+            <a:endParaRPr lang="en-US" dirty="0" smtClean="0">
+              <a:solidFill>
+                <a:srgbClr val="161B3D"/>
+              </a:solidFill>
+              <a:latin typeface="+mj-lt"/>
+            </a:endParaRPr>
+          </a:p>
+          <a:p>
+            <a:r>
+              <a:rPr lang="en-US" dirty="0" smtClean="0">
+                <a:solidFill>
+                  <a:srgbClr val="161B3D"/>
+                </a:solidFill>
+                <a:latin typeface="+mj-lt"/>
+              </a:rPr>
+              <a:t>the </a:t>
+            </a:r>
+            <a:r>
+              <a:rPr lang="en-US" dirty="0">
+                <a:solidFill>
+                  <a:srgbClr val="161B3D"/>
+                </a:solidFill>
+                <a:latin typeface="+mj-lt"/>
+              </a:rPr>
+              <a:t>class-specific linear SVMs</a:t>
+            </a:r>
+          </a:p>
+        </p:txBody>
+      </p:sp>
+      <p:cxnSp>
+        <p:nvCxnSpPr>
+          <p:cNvPr id="30" name="Straight Arrow Connector 29"/>
+          <p:cNvCxnSpPr>
+            <a:stCxn id="26" idx="2"/>
+            <a:endCxn id="27" idx="0"/>
+          </p:cNvCxnSpPr>
+          <p:nvPr/>
+        </p:nvCxnSpPr>
+        <p:spPr>
+          <a:xfrm flipH="1">
+            <a:off x="6920254" y="3927180"/>
+            <a:ext cx="6303" cy="509416"/>
+          </a:xfrm>
+          <a:prstGeom prst="straightConnector1">
+            <a:avLst/>
+          </a:prstGeom>
+          <a:ln>
+            <a:tailEnd type="triangle"/>
+          </a:ln>
+        </p:spPr>
+        <p:style>
+          <a:lnRef idx="1">
+            <a:schemeClr val="accent1"/>
+          </a:lnRef>
+          <a:fillRef idx="0">
+            <a:schemeClr val="accent1"/>
+          </a:fillRef>
+          <a:effectRef idx="0">
+            <a:schemeClr val="accent1"/>
+          </a:effectRef>
+          <a:fontRef idx="minor">
+            <a:schemeClr val="tx1"/>
+          </a:fontRef>
+        </p:style>
+      </p:cxnSp>
+      <p:cxnSp>
+        <p:nvCxnSpPr>
+          <p:cNvPr id="35" name="Straight Arrow Connector 34"/>
+          <p:cNvCxnSpPr>
+            <a:stCxn id="27" idx="2"/>
+            <a:endCxn id="28" idx="0"/>
+          </p:cNvCxnSpPr>
+          <p:nvPr/>
+        </p:nvCxnSpPr>
+        <p:spPr>
+          <a:xfrm flipH="1">
+            <a:off x="6920253" y="5082927"/>
+            <a:ext cx="1" cy="509416"/>
+          </a:xfrm>
+          <a:prstGeom prst="straightConnector1">
+            <a:avLst/>
+          </a:prstGeom>
+          <a:ln>
+            <a:tailEnd type="triangle"/>
+          </a:ln>
+        </p:spPr>
+        <p:style>
+          <a:lnRef idx="1">
+            <a:schemeClr val="accent1"/>
+          </a:lnRef>
+          <a:fillRef idx="0">
+            <a:schemeClr val="accent1"/>
+          </a:fillRef>
+          <a:effectRef idx="0">
+            <a:schemeClr val="accent1"/>
+          </a:effectRef>
+          <a:fontRef idx="minor">
+            <a:schemeClr val="tx1"/>
+          </a:fontRef>
+        </p:style>
+      </p:cxnSp>
+      <p:cxnSp>
+        <p:nvCxnSpPr>
+          <p:cNvPr id="40" name="Straight Connector 39"/>
+          <p:cNvCxnSpPr>
+            <a:stCxn id="16" idx="3"/>
+            <a:endCxn id="25" idx="1"/>
+          </p:cNvCxnSpPr>
+          <p:nvPr/>
+        </p:nvCxnSpPr>
+        <p:spPr>
+          <a:xfrm>
+            <a:off x="1649893" y="3604015"/>
+            <a:ext cx="1429271" cy="0"/>
+          </a:xfrm>
+          <a:prstGeom prst="line">
+            <a:avLst/>
+          </a:prstGeom>
+          <a:ln>
+            <a:solidFill>
+              <a:schemeClr val="tx1"/>
+            </a:solidFill>
+          </a:ln>
+        </p:spPr>
+        <p:style>
+          <a:lnRef idx="1">
+            <a:schemeClr val="accent1"/>
+          </a:lnRef>
+          <a:fillRef idx="0">
+            <a:schemeClr val="accent1"/>
+          </a:fillRef>
+          <a:effectRef idx="0">
+            <a:schemeClr val="accent1"/>
+          </a:effectRef>
+          <a:fontRef idx="minor">
+            <a:schemeClr val="tx1"/>
+          </a:fontRef>
+        </p:style>
+      </p:cxnSp>
+      <p:sp>
+        <p:nvSpPr>
+          <p:cNvPr id="42" name="Can 41"/>
+          <p:cNvSpPr/>
+          <p:nvPr/>
+        </p:nvSpPr>
+        <p:spPr>
+          <a:xfrm>
+            <a:off x="8825948" y="4181888"/>
+            <a:ext cx="2484783" cy="646043"/>
+          </a:xfrm>
+          <a:prstGeom prst="can">
+            <a:avLst/>
+          </a:prstGeom>
+          <a:solidFill>
+            <a:schemeClr val="bg1"/>
+          </a:solidFill>
+        </p:spPr>
+        <p:style>
+          <a:lnRef idx="2">
+            <a:schemeClr val="accent1">
+              <a:shade val="50000"/>
+            </a:schemeClr>
+          </a:lnRef>
+          <a:fillRef idx="1">
+            <a:schemeClr val="accent1"/>
+          </a:fillRef>
+          <a:effectRef idx="0">
+            <a:schemeClr val="accent1"/>
+          </a:effectRef>
+          <a:fontRef idx="minor">
+            <a:schemeClr val="lt1"/>
+          </a:fontRef>
+        </p:style>
+        <p:txBody>
+          <a:bodyPr rtlCol="0" anchor="ctr"/>
+          <a:lstStyle/>
+          <a:p>
+            <a:pPr algn="ctr"/>
+            <a:r>
+              <a:rPr lang="en-US" dirty="0">
+                <a:solidFill>
+                  <a:schemeClr val="tx1"/>
+                </a:solidFill>
+              </a:rPr>
+              <a:t>benchmark structure</a:t>
+            </a:r>
+            <a:endParaRPr lang="en-US" dirty="0">
+              <a:solidFill>
+                <a:schemeClr val="tx1"/>
+              </a:solidFill>
+            </a:endParaRPr>
+          </a:p>
+        </p:txBody>
+      </p:sp>
+      <p:sp>
+        <p:nvSpPr>
+          <p:cNvPr id="43" name="Can 42"/>
+          <p:cNvSpPr/>
+          <p:nvPr/>
+        </p:nvSpPr>
+        <p:spPr>
+          <a:xfrm>
+            <a:off x="9303407" y="3886200"/>
+            <a:ext cx="1470992" cy="447261"/>
+          </a:xfrm>
+          <a:prstGeom prst="can">
+            <a:avLst/>
+          </a:prstGeom>
+          <a:solidFill>
+            <a:schemeClr val="bg1"/>
+          </a:solidFill>
+        </p:spPr>
+        <p:style>
+          <a:lnRef idx="2">
+            <a:schemeClr val="accent1">
+              <a:shade val="50000"/>
+            </a:schemeClr>
+          </a:lnRef>
+          <a:fillRef idx="1">
+            <a:schemeClr val="accent1"/>
+          </a:fillRef>
+          <a:effectRef idx="0">
+            <a:schemeClr val="accent1"/>
+          </a:effectRef>
+          <a:fontRef idx="minor">
+            <a:schemeClr val="lt1"/>
+          </a:fontRef>
+        </p:style>
+        <p:txBody>
+          <a:bodyPr rtlCol="0" anchor="ctr"/>
+          <a:lstStyle/>
+          <a:p>
+            <a:pPr algn="ctr"/>
+            <a:r>
+              <a:rPr lang="en-US" dirty="0" smtClean="0">
+                <a:solidFill>
+                  <a:schemeClr val="tx1"/>
+                </a:solidFill>
+              </a:rPr>
+              <a:t>R-CNN</a:t>
+            </a:r>
+            <a:endParaRPr lang="en-US" dirty="0">
+              <a:solidFill>
+                <a:schemeClr val="tx1"/>
+              </a:solidFill>
+            </a:endParaRPr>
+          </a:p>
+        </p:txBody>
+      </p:sp>
+      <p:sp>
+        <p:nvSpPr>
+          <p:cNvPr id="44" name="Rectangle 43"/>
+          <p:cNvSpPr/>
+          <p:nvPr/>
+        </p:nvSpPr>
+        <p:spPr>
+          <a:xfrm>
+            <a:off x="3079164" y="6707110"/>
+            <a:ext cx="2418122" cy="763153"/>
+          </a:xfrm>
+          <a:prstGeom prst="rect">
+            <a:avLst/>
+          </a:prstGeom>
+          <a:solidFill>
+            <a:schemeClr val="bg1"/>
+          </a:solidFill>
+          <a:ln>
+            <a:solidFill>
+              <a:schemeClr val="tx1"/>
+            </a:solidFill>
+          </a:ln>
+        </p:spPr>
+        <p:style>
+          <a:lnRef idx="2">
+            <a:schemeClr val="accent1">
+              <a:shade val="50000"/>
+            </a:schemeClr>
+          </a:lnRef>
+          <a:fillRef idx="1">
+            <a:schemeClr val="accent1"/>
+          </a:fillRef>
+          <a:effectRef idx="0">
+            <a:schemeClr val="accent1"/>
+          </a:effectRef>
+          <a:fontRef idx="minor">
+            <a:schemeClr val="lt1"/>
+          </a:fontRef>
+        </p:style>
+        <p:txBody>
+          <a:bodyPr rtlCol="0" anchor="ctr"/>
+          <a:lstStyle/>
+          <a:p>
+            <a:r>
+              <a:rPr lang="en-US" b="1" dirty="0">
+                <a:solidFill>
+                  <a:schemeClr val="tx1"/>
+                </a:solidFill>
+                <a:latin typeface="+mj-lt"/>
+              </a:rPr>
+              <a:t>Fully Convolutional Network (FCN)</a:t>
+            </a:r>
+            <a:r>
+              <a:rPr lang="en-US" dirty="0">
+                <a:solidFill>
+                  <a:schemeClr val="tx1"/>
+                </a:solidFill>
+                <a:latin typeface="+mj-lt"/>
               </a:rPr>
               <a:t> </a:t>
             </a:r>
-            <a:r>
-              <a:rPr lang="en-US" sz="1440" dirty="0">
+            <a:endParaRPr lang="en-US" dirty="0">
+              <a:solidFill>
+                <a:schemeClr val="tx1"/>
+              </a:solidFill>
+              <a:latin typeface="+mj-lt"/>
+            </a:endParaRPr>
+          </a:p>
+        </p:txBody>
+      </p:sp>
+      <p:sp>
+        <p:nvSpPr>
+          <p:cNvPr id="45" name="Rectangle 44"/>
+          <p:cNvSpPr/>
+          <p:nvPr/>
+        </p:nvSpPr>
+        <p:spPr>
+          <a:xfrm>
+            <a:off x="3180725" y="7540336"/>
+            <a:ext cx="2560558" cy="646331"/>
+          </a:xfrm>
+          <a:prstGeom prst="rect">
+            <a:avLst/>
+          </a:prstGeom>
+        </p:spPr>
+        <p:txBody>
+          <a:bodyPr wrap="square">
+            <a:spAutoFit/>
+          </a:bodyPr>
+          <a:lstStyle/>
+          <a:p>
+            <a:r>
+              <a:rPr lang="en-US" dirty="0">
                 <a:solidFill>
                   <a:srgbClr val="161B3D"/>
                 </a:solidFill>
-                <a:latin typeface="Noto Sans"/>
-                <a:hlinkClick r:id="rId3" tooltip="Opens in a new window"/>
-              </a:rPr>
-              <a:t>Simple Does It</a:t>
-            </a:r>
-            <a:endParaRPr lang="en-US" sz="1440" dirty="0"/>
-          </a:p>
-        </p:txBody>
-      </p:sp>
-      <p:sp>
-        <p:nvSpPr>
-          <p:cNvPr id="9" name="Rectangle 8"/>
+                <a:latin typeface="+mj-lt"/>
+              </a:rPr>
+              <a:t>learns a mapping from pixels to pixels</a:t>
+            </a:r>
+          </a:p>
+        </p:txBody>
+      </p:sp>
+      <p:sp>
+        <p:nvSpPr>
+          <p:cNvPr id="46" name="Rectangle 45"/>
           <p:cNvSpPr/>
           <p:nvPr/>
         </p:nvSpPr>
         <p:spPr>
           <a:xfrm>
-            <a:off x="1393354" y="6506095"/>
-            <a:ext cx="2044149" cy="313932"/>
+            <a:off x="5577127" y="7933574"/>
+            <a:ext cx="2686248" cy="646331"/>
           </a:xfrm>
           <a:prstGeom prst="rect">
             <a:avLst/>
           </a:prstGeom>
-          <a:solidFill>
-            <a:schemeClr val="tx2">
-              <a:lumMod val="20000"/>
-              <a:lumOff val="80000"/>
-            </a:schemeClr>
-          </a:solidFill>
         </p:spPr>
         <p:txBody>
           <a:bodyPr wrap="none">
@@ -5689,131 +7251,420 @@
           <a:lstStyle/>
           <a:p>
             <a:r>
-              <a:rPr lang="en-US" sz="1440" dirty="0">
+              <a:rPr lang="en-US" dirty="0" smtClean="0">
                 <a:solidFill>
                   <a:srgbClr val="161B3D"/>
                 </a:solidFill>
-                <a:latin typeface="Noto Sans"/>
-                <a:hlinkClick r:id="rId4" tooltip="Opens in a new window"/>
-              </a:rPr>
-              <a:t>Pixel-level Labeling</a:t>
-            </a:r>
-            <a:endParaRPr lang="en-US" sz="1440" dirty="0"/>
-          </a:p>
-        </p:txBody>
-      </p:sp>
-      <p:sp>
-        <p:nvSpPr>
-          <p:cNvPr id="10" name="Rectangle 9"/>
+                <a:latin typeface="+mj-lt"/>
+              </a:rPr>
+              <a:t>classical CNN take as input </a:t>
+            </a:r>
+          </a:p>
+          <a:p>
+            <a:r>
+              <a:rPr lang="en-US" dirty="0" smtClean="0">
+                <a:solidFill>
+                  <a:srgbClr val="161B3D"/>
+                </a:solidFill>
+                <a:latin typeface="+mj-lt"/>
+              </a:rPr>
+              <a:t>arbitrary-sized images</a:t>
+            </a:r>
+            <a:endParaRPr lang="en-US" dirty="0">
+              <a:latin typeface="+mj-lt"/>
+            </a:endParaRPr>
+          </a:p>
+        </p:txBody>
+      </p:sp>
+      <p:sp>
+        <p:nvSpPr>
+          <p:cNvPr id="47" name="Rectangle 46"/>
           <p:cNvSpPr/>
           <p:nvPr/>
         </p:nvSpPr>
         <p:spPr>
           <a:xfrm>
-            <a:off x="3509175" y="5759021"/>
-            <a:ext cx="4876800" cy="535531"/>
+            <a:off x="5975345" y="6735124"/>
+            <a:ext cx="1889813" cy="646331"/>
           </a:xfrm>
           <a:prstGeom prst="rect">
             <a:avLst/>
           </a:prstGeom>
         </p:spPr>
         <p:txBody>
-          <a:bodyPr>
+          <a:bodyPr wrap="none">
             <a:spAutoFit/>
           </a:bodyPr>
           <a:lstStyle/>
           <a:p>
             <a:r>
-              <a:rPr lang="en-US" sz="1440" dirty="0">
+              <a:rPr lang="en-US" dirty="0">
                 <a:solidFill>
                   <a:srgbClr val="161B3D"/>
                 </a:solidFill>
-                <a:latin typeface="Noto Sans"/>
-              </a:rPr>
-              <a:t>explored recursive training as a de-noising strategy</a:t>
-            </a:r>
-            <a:endParaRPr lang="en-US" sz="1440" dirty="0"/>
-          </a:p>
-        </p:txBody>
-      </p:sp>
-      <p:sp>
-        <p:nvSpPr>
-          <p:cNvPr id="11" name="Rectangle 10"/>
+                <a:latin typeface="+mj-lt"/>
+              </a:rPr>
+              <a:t>convolutional and </a:t>
+            </a:r>
+            <a:endParaRPr lang="en-US" dirty="0">
+              <a:solidFill>
+                <a:srgbClr val="161B3D"/>
+              </a:solidFill>
+              <a:latin typeface="+mj-lt"/>
+            </a:endParaRPr>
+          </a:p>
+          <a:p>
+            <a:r>
+              <a:rPr lang="en-US" dirty="0">
+                <a:solidFill>
+                  <a:srgbClr val="161B3D"/>
+                </a:solidFill>
+                <a:latin typeface="+mj-lt"/>
+              </a:rPr>
+              <a:t>pooling </a:t>
+            </a:r>
+            <a:r>
+              <a:rPr lang="en-US" dirty="0">
+                <a:solidFill>
+                  <a:srgbClr val="161B3D"/>
+                </a:solidFill>
+                <a:latin typeface="+mj-lt"/>
+              </a:rPr>
+              <a:t>layers</a:t>
+            </a:r>
+          </a:p>
+        </p:txBody>
+      </p:sp>
+      <p:cxnSp>
+        <p:nvCxnSpPr>
+          <p:cNvPr id="48" name="Straight Arrow Connector 47"/>
+          <p:cNvCxnSpPr>
+            <a:stCxn id="47" idx="2"/>
+            <a:endCxn id="46" idx="0"/>
+          </p:cNvCxnSpPr>
+          <p:nvPr/>
+        </p:nvCxnSpPr>
+        <p:spPr>
+          <a:xfrm flipH="1">
+            <a:off x="6920251" y="7381455"/>
+            <a:ext cx="1" cy="552119"/>
+          </a:xfrm>
+          <a:prstGeom prst="straightConnector1">
+            <a:avLst/>
+          </a:prstGeom>
+          <a:ln>
+            <a:tailEnd type="triangle"/>
+          </a:ln>
+        </p:spPr>
+        <p:style>
+          <a:lnRef idx="1">
+            <a:schemeClr val="accent1"/>
+          </a:lnRef>
+          <a:fillRef idx="0">
+            <a:schemeClr val="accent1"/>
+          </a:fillRef>
+          <a:effectRef idx="0">
+            <a:schemeClr val="accent1"/>
+          </a:effectRef>
+          <a:fontRef idx="minor">
+            <a:schemeClr val="tx1"/>
+          </a:fontRef>
+        </p:style>
+      </p:cxnSp>
+      <p:sp>
+        <p:nvSpPr>
+          <p:cNvPr id="53" name="Rectangle 52"/>
           <p:cNvSpPr/>
           <p:nvPr/>
         </p:nvSpPr>
         <p:spPr>
           <a:xfrm>
-            <a:off x="3551582" y="6447961"/>
-            <a:ext cx="3874936" cy="1421928"/>
+            <a:off x="3079164" y="9307273"/>
+            <a:ext cx="2497963" cy="807674"/>
           </a:xfrm>
           <a:prstGeom prst="rect">
             <a:avLst/>
           </a:prstGeom>
-        </p:spPr>
-        <p:txBody>
-          <a:bodyPr wrap="square">
+          <a:solidFill>
+            <a:schemeClr val="bg1"/>
+          </a:solidFill>
+          <a:ln>
+            <a:solidFill>
+              <a:schemeClr val="tx1"/>
+            </a:solidFill>
+          </a:ln>
+        </p:spPr>
+        <p:style>
+          <a:lnRef idx="2">
+            <a:schemeClr val="accent1">
+              <a:shade val="50000"/>
+            </a:schemeClr>
+          </a:lnRef>
+          <a:fillRef idx="1">
+            <a:schemeClr val="accent1"/>
+          </a:fillRef>
+          <a:effectRef idx="0">
+            <a:schemeClr val="accent1"/>
+          </a:effectRef>
+          <a:fontRef idx="minor">
+            <a:schemeClr val="lt1"/>
+          </a:fontRef>
+        </p:style>
+        <p:txBody>
+          <a:bodyPr rtlCol="0" anchor="ctr"/>
+          <a:lstStyle/>
+          <a:p>
+            <a:r>
+              <a:rPr lang="en-US" b="1" dirty="0">
+                <a:solidFill>
+                  <a:schemeClr val="tx1"/>
+                </a:solidFill>
+                <a:latin typeface="+mj-lt"/>
+              </a:rPr>
+              <a:t>Weakly Supervised Semantic Segmentation</a:t>
+            </a:r>
+          </a:p>
+        </p:txBody>
+      </p:sp>
+      <p:sp>
+        <p:nvSpPr>
+          <p:cNvPr id="54" name="Rectangle 53"/>
+          <p:cNvSpPr/>
+          <p:nvPr/>
+        </p:nvSpPr>
+        <p:spPr>
+          <a:xfrm>
+            <a:off x="2943081" y="10191782"/>
+            <a:ext cx="2690288" cy="369332"/>
+          </a:xfrm>
+          <a:prstGeom prst="rect">
+            <a:avLst/>
+          </a:prstGeom>
+        </p:spPr>
+        <p:txBody>
+          <a:bodyPr wrap="none">
             <a:spAutoFit/>
           </a:bodyPr>
           <a:lstStyle/>
           <a:p>
-            <a:pPr marL="274320" indent="-274320">
-              <a:buAutoNum type="arabicPeriod"/>
-            </a:pPr>
-            <a:r>
-              <a:rPr lang="en-US" sz="1440" dirty="0">
+            <a:r>
+              <a:rPr lang="en-US" dirty="0" smtClean="0">
                 <a:solidFill>
                   <a:srgbClr val="161B3D"/>
                 </a:solidFill>
-                <a:latin typeface="Noto Sans"/>
-              </a:rPr>
-              <a:t>interpreted the segmentation task within the multiple-instance learning framework</a:t>
-            </a:r>
-          </a:p>
-          <a:p>
-            <a:pPr marL="274320" indent="-274320">
-              <a:buAutoNum type="arabicPeriod"/>
-            </a:pPr>
-            <a:r>
-              <a:rPr lang="en-US" sz="1440" dirty="0"/>
-              <a:t>added an extra layer to constrain the model</a:t>
-            </a:r>
-          </a:p>
-          <a:p>
-            <a:pPr marL="274320" indent="-274320">
-              <a:buAutoNum type="arabicPeriod"/>
-            </a:pPr>
-            <a:r>
-              <a:rPr lang="en-US" sz="1440" dirty="0"/>
-              <a:t> assign more weight to important pixels for image-level classification.</a:t>
-            </a:r>
-          </a:p>
-        </p:txBody>
-      </p:sp>
-      <p:pic>
-        <p:nvPicPr>
-          <p:cNvPr id="12" name="Picture 11"/>
-          <p:cNvPicPr>
-            <a:picLocks noChangeAspect="1"/>
-          </p:cNvPicPr>
-          <p:nvPr/>
-        </p:nvPicPr>
-        <p:blipFill>
-          <a:blip r:embed="rId5"/>
-          <a:stretch>
-            <a:fillRect/>
-          </a:stretch>
-        </p:blipFill>
-        <p:spPr>
-          <a:xfrm>
-            <a:off x="7590355" y="2893265"/>
-            <a:ext cx="3155462" cy="3998411"/>
+                <a:latin typeface="+mj-lt"/>
+              </a:rPr>
+              <a:t>Utilizing weakly annotation</a:t>
+            </a:r>
+            <a:endParaRPr lang="en-US" dirty="0">
+              <a:latin typeface="+mj-lt"/>
+            </a:endParaRPr>
+          </a:p>
+        </p:txBody>
+      </p:sp>
+      <p:sp>
+        <p:nvSpPr>
+          <p:cNvPr id="55" name="Rectangle 54"/>
+          <p:cNvSpPr/>
+          <p:nvPr/>
+        </p:nvSpPr>
+        <p:spPr>
+          <a:xfrm>
+            <a:off x="6348592" y="9157104"/>
+            <a:ext cx="836255" cy="369332"/>
           </a:xfrm>
           <a:prstGeom prst="rect">
             <a:avLst/>
           </a:prstGeom>
         </p:spPr>
-      </p:pic>
+        <p:txBody>
+          <a:bodyPr wrap="none">
+            <a:spAutoFit/>
+          </a:bodyPr>
+          <a:lstStyle/>
+          <a:p>
+            <a:r>
+              <a:rPr lang="en-US" b="1" dirty="0">
+                <a:latin typeface="+mj-lt"/>
+              </a:rPr>
+              <a:t>Boxsup</a:t>
+            </a:r>
+          </a:p>
+        </p:txBody>
+      </p:sp>
+      <p:sp>
+        <p:nvSpPr>
+          <p:cNvPr id="56" name="Rectangle 55"/>
+          <p:cNvSpPr/>
+          <p:nvPr/>
+        </p:nvSpPr>
+        <p:spPr>
+          <a:xfrm>
+            <a:off x="5847709" y="9822450"/>
+            <a:ext cx="2013821" cy="369332"/>
+          </a:xfrm>
+          <a:prstGeom prst="rect">
+            <a:avLst/>
+          </a:prstGeom>
+        </p:spPr>
+        <p:txBody>
+          <a:bodyPr wrap="none">
+            <a:spAutoFit/>
+          </a:bodyPr>
+          <a:lstStyle/>
+          <a:p>
+            <a:r>
+              <a:rPr lang="en-US" dirty="0"/>
+              <a:t>Pixel-level Labeling </a:t>
+            </a:r>
+            <a:endParaRPr lang="en-US" b="1" dirty="0">
+              <a:latin typeface="+mj-lt"/>
+            </a:endParaRPr>
+          </a:p>
+        </p:txBody>
+      </p:sp>
+      <p:cxnSp>
+        <p:nvCxnSpPr>
+          <p:cNvPr id="58" name="Elbow Connector 57"/>
+          <p:cNvCxnSpPr>
+            <a:endCxn id="44" idx="1"/>
+          </p:cNvCxnSpPr>
+          <p:nvPr/>
+        </p:nvCxnSpPr>
+        <p:spPr>
+          <a:xfrm rot="16200000" flipH="1">
+            <a:off x="796128" y="4805650"/>
+            <a:ext cx="3484673" cy="1081399"/>
+          </a:xfrm>
+          <a:prstGeom prst="bentConnector2">
+            <a:avLst/>
+          </a:prstGeom>
+          <a:ln>
+            <a:solidFill>
+              <a:schemeClr val="tx1"/>
+            </a:solidFill>
+          </a:ln>
+        </p:spPr>
+        <p:style>
+          <a:lnRef idx="1">
+            <a:schemeClr val="accent1"/>
+          </a:lnRef>
+          <a:fillRef idx="0">
+            <a:schemeClr val="accent1"/>
+          </a:fillRef>
+          <a:effectRef idx="0">
+            <a:schemeClr val="accent1"/>
+          </a:effectRef>
+          <a:fontRef idx="minor">
+            <a:schemeClr val="tx1"/>
+          </a:fontRef>
+        </p:style>
+      </p:cxnSp>
+      <p:cxnSp>
+        <p:nvCxnSpPr>
+          <p:cNvPr id="60" name="Elbow Connector 59"/>
+          <p:cNvCxnSpPr>
+            <a:endCxn id="53" idx="1"/>
+          </p:cNvCxnSpPr>
+          <p:nvPr/>
+        </p:nvCxnSpPr>
+        <p:spPr>
+          <a:xfrm rot="16200000" flipH="1">
+            <a:off x="1227252" y="7859198"/>
+            <a:ext cx="2622424" cy="1081399"/>
+          </a:xfrm>
+          <a:prstGeom prst="bentConnector2">
+            <a:avLst/>
+          </a:prstGeom>
+          <a:ln>
+            <a:solidFill>
+              <a:schemeClr val="tx1"/>
+            </a:solidFill>
+          </a:ln>
+        </p:spPr>
+        <p:style>
+          <a:lnRef idx="1">
+            <a:schemeClr val="accent1"/>
+          </a:lnRef>
+          <a:fillRef idx="0">
+            <a:schemeClr val="accent1"/>
+          </a:fillRef>
+          <a:effectRef idx="0">
+            <a:schemeClr val="accent1"/>
+          </a:effectRef>
+          <a:fontRef idx="minor">
+            <a:schemeClr val="tx1"/>
+          </a:fontRef>
+        </p:style>
+      </p:cxnSp>
+      <p:sp>
+        <p:nvSpPr>
+          <p:cNvPr id="62" name="Rectangle 61"/>
+          <p:cNvSpPr/>
+          <p:nvPr/>
+        </p:nvSpPr>
+        <p:spPr>
+          <a:xfrm>
+            <a:off x="291544" y="3474230"/>
+            <a:ext cx="1510749" cy="564370"/>
+          </a:xfrm>
+          <a:prstGeom prst="rect">
+            <a:avLst/>
+          </a:prstGeom>
+          <a:solidFill>
+            <a:schemeClr val="bg1"/>
+          </a:solidFill>
+          <a:ln>
+            <a:solidFill>
+              <a:schemeClr val="tx1"/>
+            </a:solidFill>
+          </a:ln>
+        </p:spPr>
+        <p:style>
+          <a:lnRef idx="2">
+            <a:schemeClr val="accent1">
+              <a:shade val="50000"/>
+            </a:schemeClr>
+          </a:lnRef>
+          <a:fillRef idx="1">
+            <a:schemeClr val="accent1"/>
+          </a:fillRef>
+          <a:effectRef idx="0">
+            <a:schemeClr val="accent1"/>
+          </a:effectRef>
+          <a:fontRef idx="minor">
+            <a:schemeClr val="lt1"/>
+          </a:fontRef>
+        </p:style>
+        <p:txBody>
+          <a:bodyPr rtlCol="0" anchor="ctr"/>
+          <a:lstStyle/>
+          <a:p>
+            <a:pPr algn="ctr"/>
+            <a:r>
+              <a:rPr lang="en-US" b="1" dirty="0">
+                <a:solidFill>
+                  <a:schemeClr val="tx1"/>
+                </a:solidFill>
+              </a:rPr>
+              <a:t>dense </a:t>
+            </a:r>
+            <a:r>
+              <a:rPr lang="en-US" b="1" dirty="0" smtClean="0">
+                <a:solidFill>
+                  <a:schemeClr val="tx1"/>
+                </a:solidFill>
+              </a:rPr>
+              <a:t>classification</a:t>
+            </a:r>
+            <a:endParaRPr lang="en-US" b="1" dirty="0">
+              <a:solidFill>
+                <a:schemeClr val="tx1"/>
+              </a:solidFill>
+            </a:endParaRPr>
+          </a:p>
+        </p:txBody>
+      </p:sp>
     </p:spTree>
     <p:extLst>
       <p:ext uri="{BB962C8B-B14F-4D97-AF65-F5344CB8AC3E}">
